--- a/bomber.pptx
+++ b/bomber.pptx
@@ -3652,15 +3652,7 @@
                   <a:schemeClr val="bg1"/>
                 </a:solidFill>
               </a:rPr>
-              <a:t>Левый </a:t>
-            </a:r>
-            <a:r>
-              <a:rPr lang="ru-RU" dirty="0" smtClean="0">
-                <a:solidFill>
-                  <a:schemeClr val="bg1"/>
-                </a:solidFill>
-              </a:rPr>
-              <a:t>Чел</a:t>
+              <a:t>Левый Чел</a:t>
             </a:r>
             <a:r>
               <a:rPr lang="en-US" dirty="0" smtClean="0">
@@ -4414,8 +4406,8 @@
         </p:nvSpPr>
         <p:spPr>
           <a:xfrm>
-            <a:off x="3668075" y="6008808"/>
-            <a:ext cx="2465868" cy="369332"/>
+            <a:off x="2401959" y="5976765"/>
+            <a:ext cx="4998100" cy="369332"/>
           </a:xfrm>
           <a:prstGeom prst="rect">
             <a:avLst/>
@@ -4434,7 +4426,31 @@
                   <a:srgbClr val="00B050"/>
                 </a:solidFill>
               </a:rPr>
-              <a:t>Это главный менеджер</a:t>
+              <a:t>Это главный </a:t>
+            </a:r>
+            <a:r>
+              <a:rPr lang="ru-RU" dirty="0" smtClean="0">
+                <a:solidFill>
+                  <a:srgbClr val="00B050"/>
+                </a:solidFill>
+              </a:rPr>
+              <a:t>менеджер</a:t>
+            </a:r>
+            <a:r>
+              <a:rPr lang="ru-RU" dirty="0">
+                <a:solidFill>
+                  <a:srgbClr val="00B050"/>
+                </a:solidFill>
+              </a:rPr>
+              <a:t> </a:t>
+            </a:r>
+            <a:r>
+              <a:rPr lang="ru-RU" dirty="0" smtClean="0">
+                <a:solidFill>
+                  <a:srgbClr val="00B050"/>
+                </a:solidFill>
+              </a:rPr>
+              <a:t>и создатель презентации</a:t>
             </a:r>
             <a:endParaRPr lang="ru-RU" dirty="0">
               <a:solidFill>
